--- a/Task 1/#3 Presentation.pptx
+++ b/Task 1/#3 Presentation.pptx
@@ -8,11 +8,13 @@
     <p:sldId id="256" r:id="rId2"/>
     <p:sldId id="257" r:id="rId3"/>
     <p:sldId id="258" r:id="rId4"/>
-    <p:sldId id="259" r:id="rId5"/>
-    <p:sldId id="261" r:id="rId6"/>
-    <p:sldId id="260" r:id="rId7"/>
-    <p:sldId id="262" r:id="rId8"/>
-    <p:sldId id="263" r:id="rId9"/>
+    <p:sldId id="264" r:id="rId5"/>
+    <p:sldId id="265" r:id="rId6"/>
+    <p:sldId id="259" r:id="rId7"/>
+    <p:sldId id="261" r:id="rId8"/>
+    <p:sldId id="260" r:id="rId9"/>
+    <p:sldId id="262" r:id="rId10"/>
+    <p:sldId id="263" r:id="rId11"/>
   </p:sldIdLst>
   <p:sldSz cx="12192000" cy="6858000"/>
   <p:notesSz cx="6858000" cy="9144000"/>
@@ -111,6 +113,11 @@
       </a:defRPr>
     </a:lvl9pPr>
   </p:defaultTextStyle>
+  <p:extLst>
+    <p:ext uri="{EFAFB233-063F-42B5-8137-9DF3F51BA10A}">
+      <p15:sldGuideLst xmlns:p15="http://schemas.microsoft.com/office/powerpoint/2012/main"/>
+    </p:ext>
+  </p:extLst>
 </p:presentation>
 </file>
 
@@ -836,7 +843,7 @@
           <a:p>
             <a:fld id="{E74C5234-C23C-4E16-8AE3-62628CD3C651}" type="datetimeFigureOut">
               <a:rPr lang="en-US" smtClean="0"/>
-              <a:t>5/26/2024</a:t>
+              <a:t>5/29/2024</a:t>
             </a:fld>
             <a:endParaRPr lang="en-US"/>
           </a:p>
@@ -1087,7 +1094,7 @@
           <a:p>
             <a:fld id="{E74C5234-C23C-4E16-8AE3-62628CD3C651}" type="datetimeFigureOut">
               <a:rPr lang="en-US" smtClean="0"/>
-              <a:t>5/26/2024</a:t>
+              <a:t>5/29/2024</a:t>
             </a:fld>
             <a:endParaRPr lang="en-US"/>
           </a:p>
@@ -1401,7 +1408,7 @@
           <a:p>
             <a:fld id="{E74C5234-C23C-4E16-8AE3-62628CD3C651}" type="datetimeFigureOut">
               <a:rPr lang="en-US" smtClean="0"/>
-              <a:t>5/26/2024</a:t>
+              <a:t>5/29/2024</a:t>
             </a:fld>
             <a:endParaRPr lang="en-US"/>
           </a:p>
@@ -1742,7 +1749,7 @@
           <a:p>
             <a:fld id="{E74C5234-C23C-4E16-8AE3-62628CD3C651}" type="datetimeFigureOut">
               <a:rPr lang="en-US" smtClean="0"/>
-              <a:t>5/26/2024</a:t>
+              <a:t>5/29/2024</a:t>
             </a:fld>
             <a:endParaRPr lang="en-US"/>
           </a:p>
@@ -2056,7 +2063,7 @@
           <a:p>
             <a:fld id="{E74C5234-C23C-4E16-8AE3-62628CD3C651}" type="datetimeFigureOut">
               <a:rPr lang="en-US" smtClean="0"/>
-              <a:t>5/26/2024</a:t>
+              <a:t>5/29/2024</a:t>
             </a:fld>
             <a:endParaRPr lang="en-US"/>
           </a:p>
@@ -2449,7 +2456,7 @@
           <a:p>
             <a:fld id="{E74C5234-C23C-4E16-8AE3-62628CD3C651}" type="datetimeFigureOut">
               <a:rPr lang="en-US" smtClean="0"/>
-              <a:t>5/26/2024</a:t>
+              <a:t>5/29/2024</a:t>
             </a:fld>
             <a:endParaRPr lang="en-US"/>
           </a:p>
@@ -2619,7 +2626,7 @@
           <a:p>
             <a:fld id="{E74C5234-C23C-4E16-8AE3-62628CD3C651}" type="datetimeFigureOut">
               <a:rPr lang="en-US" smtClean="0"/>
-              <a:t>5/26/2024</a:t>
+              <a:t>5/29/2024</a:t>
             </a:fld>
             <a:endParaRPr lang="en-US"/>
           </a:p>
@@ -2799,7 +2806,7 @@
           <a:p>
             <a:fld id="{E74C5234-C23C-4E16-8AE3-62628CD3C651}" type="datetimeFigureOut">
               <a:rPr lang="en-US" smtClean="0"/>
-              <a:t>5/26/2024</a:t>
+              <a:t>5/29/2024</a:t>
             </a:fld>
             <a:endParaRPr lang="en-US"/>
           </a:p>
@@ -2975,7 +2982,7 @@
           <a:p>
             <a:fld id="{E74C5234-C23C-4E16-8AE3-62628CD3C651}" type="datetimeFigureOut">
               <a:rPr lang="en-US" smtClean="0"/>
-              <a:t>5/26/2024</a:t>
+              <a:t>5/29/2024</a:t>
             </a:fld>
             <a:endParaRPr lang="en-US"/>
           </a:p>
@@ -3222,7 +3229,7 @@
           <a:p>
             <a:fld id="{E74C5234-C23C-4E16-8AE3-62628CD3C651}" type="datetimeFigureOut">
               <a:rPr lang="en-US" smtClean="0"/>
-              <a:t>5/26/2024</a:t>
+              <a:t>5/29/2024</a:t>
             </a:fld>
             <a:endParaRPr lang="en-US"/>
           </a:p>
@@ -3454,7 +3461,7 @@
           <a:p>
             <a:fld id="{E74C5234-C23C-4E16-8AE3-62628CD3C651}" type="datetimeFigureOut">
               <a:rPr lang="en-US" smtClean="0"/>
-              <a:t>5/26/2024</a:t>
+              <a:t>5/29/2024</a:t>
             </a:fld>
             <a:endParaRPr lang="en-US"/>
           </a:p>
@@ -3828,7 +3835,7 @@
           <a:p>
             <a:fld id="{E74C5234-C23C-4E16-8AE3-62628CD3C651}" type="datetimeFigureOut">
               <a:rPr lang="en-US" smtClean="0"/>
-              <a:t>5/26/2024</a:t>
+              <a:t>5/29/2024</a:t>
             </a:fld>
             <a:endParaRPr lang="en-US"/>
           </a:p>
@@ -3951,7 +3958,7 @@
           <a:p>
             <a:fld id="{E74C5234-C23C-4E16-8AE3-62628CD3C651}" type="datetimeFigureOut">
               <a:rPr lang="en-US" smtClean="0"/>
-              <a:t>5/26/2024</a:t>
+              <a:t>5/29/2024</a:t>
             </a:fld>
             <a:endParaRPr lang="en-US"/>
           </a:p>
@@ -4046,7 +4053,7 @@
           <a:p>
             <a:fld id="{E74C5234-C23C-4E16-8AE3-62628CD3C651}" type="datetimeFigureOut">
               <a:rPr lang="en-US" smtClean="0"/>
-              <a:t>5/26/2024</a:t>
+              <a:t>5/29/2024</a:t>
             </a:fld>
             <a:endParaRPr lang="en-US"/>
           </a:p>
@@ -4301,7 +4308,7 @@
           <a:p>
             <a:fld id="{E74C5234-C23C-4E16-8AE3-62628CD3C651}" type="datetimeFigureOut">
               <a:rPr lang="en-US" smtClean="0"/>
-              <a:t>5/26/2024</a:t>
+              <a:t>5/29/2024</a:t>
             </a:fld>
             <a:endParaRPr lang="en-US"/>
           </a:p>
@@ -4564,7 +4571,7 @@
           <a:p>
             <a:fld id="{E74C5234-C23C-4E16-8AE3-62628CD3C651}" type="datetimeFigureOut">
               <a:rPr lang="en-US" smtClean="0"/>
-              <a:t>5/26/2024</a:t>
+              <a:t>5/29/2024</a:t>
             </a:fld>
             <a:endParaRPr lang="en-US"/>
           </a:p>
@@ -5307,7 +5314,7 @@
           <a:p>
             <a:fld id="{E74C5234-C23C-4E16-8AE3-62628CD3C651}" type="datetimeFigureOut">
               <a:rPr lang="en-US" smtClean="0"/>
-              <a:t>5/26/2024</a:t>
+              <a:t>5/29/2024</a:t>
             </a:fld>
             <a:endParaRPr lang="en-US"/>
           </a:p>
@@ -5859,10 +5866,154 @@
           </a:p>
         </p:txBody>
       </p:sp>
+      <p:sp>
+        <p:nvSpPr>
+          <p:cNvPr id="3" name="TextBox 2">
+            <a:extLst>
+              <a:ext uri="{FF2B5EF4-FFF2-40B4-BE49-F238E27FC236}">
+                <a16:creationId xmlns:a16="http://schemas.microsoft.com/office/drawing/2014/main" id="{77183D11-AC4F-7DCD-6D12-C607544C4904}"/>
+              </a:ext>
+            </a:extLst>
+          </p:cNvPr>
+          <p:cNvSpPr txBox="1"/>
+          <p:nvPr/>
+        </p:nvSpPr>
+        <p:spPr>
+          <a:xfrm>
+            <a:off x="2330824" y="4231341"/>
+            <a:ext cx="6840070" cy="369332"/>
+          </a:xfrm>
+          <a:prstGeom prst="rect">
+            <a:avLst/>
+          </a:prstGeom>
+          <a:noFill/>
+        </p:spPr>
+        <p:txBody>
+          <a:bodyPr wrap="square" rtlCol="0">
+            <a:spAutoFit/>
+          </a:bodyPr>
+          <a:lstStyle/>
+          <a:p>
+            <a:r>
+              <a:rPr lang="en-US" b="1" dirty="0"/>
+              <a:t>Authors</a:t>
+            </a:r>
+            <a:r>
+              <a:rPr lang="en-US" dirty="0"/>
+              <a:t>: Victor Garcia </a:t>
+            </a:r>
+            <a:r>
+              <a:rPr lang="en-US" dirty="0" err="1"/>
+              <a:t>Satorras</a:t>
+            </a:r>
+            <a:r>
+              <a:rPr lang="en-US" dirty="0"/>
+              <a:t>, Emiel Hoogeboom, Max Welling</a:t>
+            </a:r>
+          </a:p>
+        </p:txBody>
+      </p:sp>
     </p:spTree>
     <p:extLst>
       <p:ext uri="{BB962C8B-B14F-4D97-AF65-F5344CB8AC3E}">
         <p14:creationId xmlns:p14="http://schemas.microsoft.com/office/powerpoint/2010/main" val="1587381456"/>
+      </p:ext>
+    </p:extLst>
+  </p:cSld>
+  <p:clrMapOvr>
+    <a:masterClrMapping/>
+  </p:clrMapOvr>
+</p:sld>
+</file>
+
+<file path=ppt/slides/slide10.xml><?xml version="1.0" encoding="utf-8"?>
+<p:sld xmlns:a="http://schemas.openxmlformats.org/drawingml/2006/main" xmlns:r="http://schemas.openxmlformats.org/officeDocument/2006/relationships" xmlns:p="http://schemas.openxmlformats.org/presentationml/2006/main">
+  <p:cSld>
+    <p:spTree>
+      <p:nvGrpSpPr>
+        <p:cNvPr id="1" name=""/>
+        <p:cNvGrpSpPr/>
+        <p:nvPr/>
+      </p:nvGrpSpPr>
+      <p:grpSpPr>
+        <a:xfrm>
+          <a:off x="0" y="0"/>
+          <a:ext cx="0" cy="0"/>
+          <a:chOff x="0" y="0"/>
+          <a:chExt cx="0" cy="0"/>
+        </a:xfrm>
+      </p:grpSpPr>
+      <p:sp>
+        <p:nvSpPr>
+          <p:cNvPr id="2" name="Title 1">
+            <a:extLst>
+              <a:ext uri="{FF2B5EF4-FFF2-40B4-BE49-F238E27FC236}">
+                <a16:creationId xmlns:a16="http://schemas.microsoft.com/office/drawing/2014/main" id="{3B1C4F61-6021-7731-D0CA-A30ADBBC1AAB}"/>
+              </a:ext>
+            </a:extLst>
+          </p:cNvPr>
+          <p:cNvSpPr>
+            <a:spLocks noGrp="1"/>
+          </p:cNvSpPr>
+          <p:nvPr>
+            <p:ph type="title"/>
+          </p:nvPr>
+        </p:nvSpPr>
+        <p:spPr/>
+        <p:txBody>
+          <a:bodyPr/>
+          <a:lstStyle/>
+          <a:p>
+            <a:r>
+              <a:rPr lang="en-US" dirty="0"/>
+              <a:t>Conclusion</a:t>
+            </a:r>
+          </a:p>
+        </p:txBody>
+      </p:sp>
+      <p:sp>
+        <p:nvSpPr>
+          <p:cNvPr id="3" name="Content Placeholder 2">
+            <a:extLst>
+              <a:ext uri="{FF2B5EF4-FFF2-40B4-BE49-F238E27FC236}">
+                <a16:creationId xmlns:a16="http://schemas.microsoft.com/office/drawing/2014/main" id="{ED5C9F2F-1352-F289-ADB2-BE6642778931}"/>
+              </a:ext>
+            </a:extLst>
+          </p:cNvPr>
+          <p:cNvSpPr>
+            <a:spLocks noGrp="1"/>
+          </p:cNvSpPr>
+          <p:nvPr>
+            <p:ph idx="1"/>
+          </p:nvPr>
+        </p:nvSpPr>
+        <p:spPr>
+          <a:xfrm>
+            <a:off x="677334" y="1712353"/>
+            <a:ext cx="8596668" cy="3880773"/>
+          </a:xfrm>
+        </p:spPr>
+        <p:txBody>
+          <a:bodyPr/>
+          <a:lstStyle/>
+          <a:p>
+            <a:r>
+              <a:rPr lang="en-US" dirty="0"/>
+              <a:t>EGNNs represent a significant advancement in graph neural networks by combining simplicity, computational efficiency, and strong performance across multiple tasks</a:t>
+            </a:r>
+          </a:p>
+          <a:p>
+            <a:r>
+              <a:rPr lang="en-US" dirty="0"/>
+              <a:t>The model's ability to handle higher-dimensional spaces and maintain equivariance makes it particularly suitable for applications in natural and medical sciences, such as drug discovery and material design</a:t>
+            </a:r>
+          </a:p>
+        </p:txBody>
+      </p:sp>
+    </p:spTree>
+    <p:extLst>
+      <p:ext uri="{BB962C8B-B14F-4D97-AF65-F5344CB8AC3E}">
+        <p14:creationId xmlns:p14="http://schemas.microsoft.com/office/powerpoint/2010/main" val="3873605401"/>
       </p:ext>
     </p:extLst>
   </p:cSld>
@@ -5947,19 +6098,19 @@
           <a:p>
             <a:r>
               <a:rPr lang="en-US" dirty="0"/>
-              <a:t>The paper introduces E(n)-Equivariant Graph Neural Networks (EGNNs), a novel model for learning graph neural networks that are equivariant to rotations, translations, reflections, and permutations.</a:t>
+              <a:t>The paper introduces E(n)-Equivariant Graph Neural Networks (EGNNs), a novel model for learning graph neural networks that are equivariant to rotations, translations, reflections, and permutations</a:t>
             </a:r>
           </a:p>
           <a:p>
             <a:r>
               <a:rPr lang="en-US" dirty="0"/>
-              <a:t>Unlike existing methods, EGNNs do not require computationally expensive higher-order representations in intermediate layers.</a:t>
+              <a:t>Unlike existing methods, EGNNs do not require computationally expensive higher-order representations in intermediate layers</a:t>
             </a:r>
           </a:p>
           <a:p>
             <a:r>
               <a:rPr lang="en-US" dirty="0"/>
-              <a:t>EGNNs are scalable to higher-dimensional spaces and perform competitively or better in various tasks such as dynamical systems modeling, representation learning in graph autoencoders, and predicting molecular properties.</a:t>
+              <a:t>EGNNs are scalable to higher-dimensional spaces and perform competitively or better in various tasks such as dynamical systems modeling, representation learning in graph autoencoders, and predicting molecular properties</a:t>
             </a:r>
           </a:p>
         </p:txBody>
@@ -6105,7 +6256,7 @@
         </p:nvSpPr>
         <p:spPr>
           <a:xfrm>
-            <a:off x="677334" y="1577883"/>
+            <a:off x="677334" y="1667530"/>
             <a:ext cx="8596668" cy="1694235"/>
           </a:xfrm>
         </p:spPr>
@@ -6119,7 +6270,7 @@
             </a:r>
             <a:r>
               <a:rPr lang="en-US" dirty="0"/>
-              <a:t>: Ensuring that a function applied to transformed data results in a correspondingly transformed output. This is important for maintaining the symmetry properties of the data.</a:t>
+              <a:t>: Ensuring that a function applied to transformed data results in a correspondingly transformed output. This is important for maintaining the symmetry properties of the data</a:t>
             </a:r>
           </a:p>
           <a:p>
@@ -6129,7 +6280,7 @@
             </a:r>
             <a:r>
               <a:rPr lang="en-US" dirty="0"/>
-              <a:t>: Networks designed to operate on graph-structured data, maintaining permutation invariance of the nodes.</a:t>
+              <a:t>: Networks designed to operate on graph-structured data, maintaining permutation invariance of the nodes</a:t>
             </a:r>
           </a:p>
           <a:p>
@@ -6172,7 +6323,7 @@
           <p:cNvPr id="2" name="Title 1">
             <a:extLst>
               <a:ext uri="{FF2B5EF4-FFF2-40B4-BE49-F238E27FC236}">
-                <a16:creationId xmlns:a16="http://schemas.microsoft.com/office/drawing/2014/main" id="{CDEF7B4C-C68F-072B-FA20-D4A75D00A09B}"/>
+                <a16:creationId xmlns:a16="http://schemas.microsoft.com/office/drawing/2014/main" id="{F6D1B081-23A7-4B6E-6B83-3C8C851D23F3}"/>
               </a:ext>
             </a:extLst>
           </p:cNvPr>
@@ -6190,13 +6341,8 @@
           <a:p>
             <a:r>
               <a:rPr lang="en-US" dirty="0"/>
-              <a:t>EGNN </a:t>
-            </a:r>
-            <a:r>
-              <a:rPr lang="en-US" dirty="0" err="1"/>
-              <a:t>Architecisture</a:t>
-            </a:r>
-            <a:endParaRPr lang="en-US" dirty="0"/>
+              <a:t>Motivation</a:t>
+            </a:r>
           </a:p>
         </p:txBody>
       </p:sp>
@@ -6205,7 +6351,7 @@
           <p:cNvPr id="3" name="Content Placeholder 2">
             <a:extLst>
               <a:ext uri="{FF2B5EF4-FFF2-40B4-BE49-F238E27FC236}">
-                <a16:creationId xmlns:a16="http://schemas.microsoft.com/office/drawing/2014/main" id="{CA2BCDBC-CDB5-8C6F-B41C-4B01F5D7C79F}"/>
+                <a16:creationId xmlns:a16="http://schemas.microsoft.com/office/drawing/2014/main" id="{CAF9F886-F5F7-C0E1-555D-6B40741A655B}"/>
               </a:ext>
             </a:extLst>
           </p:cNvPr>
@@ -6216,69 +6362,46 @@
             <p:ph idx="1"/>
           </p:nvPr>
         </p:nvSpPr>
-        <p:spPr>
-          <a:xfrm>
-            <a:off x="677334" y="1667531"/>
-            <a:ext cx="10169960" cy="2115576"/>
-          </a:xfrm>
-        </p:spPr>
+        <p:spPr/>
         <p:txBody>
           <a:bodyPr/>
           <a:lstStyle/>
           <a:p>
             <a:r>
+              <a:rPr lang="en-US" b="1" dirty="0"/>
+              <a:t>Problem</a:t>
+            </a:r>
+            <a:r>
               <a:rPr lang="en-US" dirty="0"/>
-              <a:t>The model incorporates both node embeddings and their coordinates, ensuring translation, rotation, and reflection equivariance.</a:t>
-            </a:r>
-          </a:p>
-          <a:p>
+              <a:t>: Existing Graph Neural Networks (GNNs) often lack equivariance to important transformations (rotation, translation, reflection, permutation)</a:t>
+            </a:r>
+          </a:p>
+          <a:p>
+            <a:r>
+              <a:rPr lang="en-US" b="1" dirty="0"/>
+              <a:t>Significance</a:t>
+            </a:r>
             <a:r>
               <a:rPr lang="en-US" dirty="0"/>
-              <a:t>Equations defining the EGNN layer update node embeddings and coordinates, ensuring the model's equivariance properties.</a:t>
-            </a:r>
-          </a:p>
-          <a:p>
+              <a:t>: Equivariance ensures that the neural network’s predictions are consistent under these transformations, which is crucial for tasks involving spatial data like 3D molecular structures and dynamical systems</a:t>
+            </a:r>
+          </a:p>
+          <a:p>
+            <a:r>
+              <a:rPr lang="en-US" b="1" dirty="0"/>
+              <a:t>Current Solutions</a:t>
+            </a:r>
             <a:r>
               <a:rPr lang="en-US" dirty="0"/>
-              <a:t>The paper provides a formal proof that the EGNN model maintains E(n) equivariance for both translation and rotation.</a:t>
-            </a:r>
-          </a:p>
-        </p:txBody>
-      </p:sp>
-      <p:pic>
-        <p:nvPicPr>
-          <p:cNvPr id="5" name="Picture 4">
-            <a:extLst>
-              <a:ext uri="{FF2B5EF4-FFF2-40B4-BE49-F238E27FC236}">
-                <a16:creationId xmlns:a16="http://schemas.microsoft.com/office/drawing/2014/main" id="{B8E36D44-B84E-8AC3-D4BB-E2E6FEA3D050}"/>
-              </a:ext>
-            </a:extLst>
-          </p:cNvPr>
-          <p:cNvPicPr>
-            <a:picLocks noChangeAspect="1"/>
-          </p:cNvPicPr>
-          <p:nvPr/>
-        </p:nvPicPr>
-        <p:blipFill>
-          <a:blip r:embed="rId2"/>
-          <a:stretch>
-            <a:fillRect/>
-          </a:stretch>
-        </p:blipFill>
-        <p:spPr>
-          <a:xfrm>
-            <a:off x="1005417" y="3952875"/>
-            <a:ext cx="7200900" cy="2295525"/>
-          </a:xfrm>
-          <a:prstGeom prst="rect">
-            <a:avLst/>
-          </a:prstGeom>
-        </p:spPr>
-      </p:pic>
+              <a:t>: Existing methods often require complex, computationally expensive operations like spherical harmonics for achieving equivariance</a:t>
+            </a:r>
+          </a:p>
+        </p:txBody>
+      </p:sp>
     </p:spTree>
     <p:extLst>
       <p:ext uri="{BB962C8B-B14F-4D97-AF65-F5344CB8AC3E}">
-        <p14:creationId xmlns:p14="http://schemas.microsoft.com/office/powerpoint/2010/main" val="2576283903"/>
+        <p14:creationId xmlns:p14="http://schemas.microsoft.com/office/powerpoint/2010/main" val="1091342719"/>
       </p:ext>
     </p:extLst>
   </p:cSld>
@@ -6310,7 +6433,7 @@
           <p:cNvPr id="2" name="Title 1">
             <a:extLst>
               <a:ext uri="{FF2B5EF4-FFF2-40B4-BE49-F238E27FC236}">
-                <a16:creationId xmlns:a16="http://schemas.microsoft.com/office/drawing/2014/main" id="{AFB3EF74-6E93-0DEC-2108-59380B8A80A4}"/>
+                <a16:creationId xmlns:a16="http://schemas.microsoft.com/office/drawing/2014/main" id="{E25FDA16-8A40-3FFC-93F0-9B443216B7A2}"/>
               </a:ext>
             </a:extLst>
           </p:cNvPr>
@@ -6328,98 +6451,197 @@
           <a:p>
             <a:r>
               <a:rPr lang="en-US" dirty="0"/>
-              <a:t>Experiments and results</a:t>
-            </a:r>
-          </a:p>
-        </p:txBody>
-      </p:sp>
-      <p:sp>
-        <p:nvSpPr>
-          <p:cNvPr id="3" name="Content Placeholder 2">
+              <a:t>EGNN Architecture</a:t>
+            </a:r>
+          </a:p>
+        </p:txBody>
+      </p:sp>
+      <p:sp>
+        <p:nvSpPr>
+          <p:cNvPr id="4" name="Rectangle 1">
             <a:extLst>
               <a:ext uri="{FF2B5EF4-FFF2-40B4-BE49-F238E27FC236}">
-                <a16:creationId xmlns:a16="http://schemas.microsoft.com/office/drawing/2014/main" id="{595D823C-51A9-D486-3224-A19D91681F23}"/>
+                <a16:creationId xmlns:a16="http://schemas.microsoft.com/office/drawing/2014/main" id="{A500785F-0044-4FF0-400D-586DE7B9E770}"/>
               </a:ext>
             </a:extLst>
           </p:cNvPr>
           <p:cNvSpPr>
-            <a:spLocks noGrp="1"/>
+            <a:spLocks noGrp="1" noChangeArrowheads="1"/>
           </p:cNvSpPr>
           <p:nvPr>
             <p:ph idx="1"/>
           </p:nvPr>
         </p:nvSpPr>
-        <p:spPr>
+        <p:spPr bwMode="auto">
           <a:xfrm>
-            <a:off x="677334" y="1694329"/>
-            <a:ext cx="3840878" cy="3944471"/>
-          </a:xfrm>
-        </p:spPr>
-        <p:txBody>
-          <a:bodyPr>
-            <a:normAutofit/>
-          </a:bodyPr>
-          <a:lstStyle/>
-          <a:p>
-            <a:r>
-              <a:rPr lang="en-US" b="1" dirty="0"/>
-              <a:t>Dynamical Systems Modeling (N-body Problem)</a:t>
-            </a:r>
-            <a:r>
-              <a:rPr lang="en-US" dirty="0"/>
-              <a:t>:</a:t>
-            </a:r>
-          </a:p>
-          <a:p>
-            <a:pPr lvl="1"/>
-            <a:r>
-              <a:rPr lang="en-US" dirty="0"/>
-              <a:t>The task involves predicting the positions of particles influenced by physical forces.</a:t>
-            </a:r>
-          </a:p>
-          <a:p>
-            <a:pPr lvl="1"/>
-            <a:r>
-              <a:rPr lang="en-US" dirty="0"/>
-              <a:t>EGNN outperformed other models like SE(3) Transformer, Tensor Field Networks, and standard GNNs in terms of accuracy and computational efficiency.</a:t>
-            </a:r>
-          </a:p>
-        </p:txBody>
-      </p:sp>
-      <p:pic>
-        <p:nvPicPr>
-          <p:cNvPr id="5" name="Picture 4">
-            <a:extLst>
-              <a:ext uri="{FF2B5EF4-FFF2-40B4-BE49-F238E27FC236}">
-                <a16:creationId xmlns:a16="http://schemas.microsoft.com/office/drawing/2014/main" id="{F0EBE242-A036-78B3-5D28-2469168B1AAD}"/>
-              </a:ext>
-            </a:extLst>
-          </p:cNvPr>
-          <p:cNvPicPr>
-            <a:picLocks noChangeAspect="1"/>
-          </p:cNvPicPr>
-          <p:nvPr/>
-        </p:nvPicPr>
-        <p:blipFill>
-          <a:blip r:embed="rId2"/>
-          <a:stretch>
-            <a:fillRect/>
-          </a:stretch>
-        </p:blipFill>
-        <p:spPr>
-          <a:xfrm>
-            <a:off x="5061979" y="1930400"/>
-            <a:ext cx="4099951" cy="3332581"/>
+            <a:off x="580970" y="1776513"/>
+            <a:ext cx="9058337" cy="4216539"/>
           </a:xfrm>
           <a:prstGeom prst="rect">
             <a:avLst/>
           </a:prstGeom>
+          <a:noFill/>
+          <a:ln>
+            <a:noFill/>
+          </a:ln>
+          <a:effectLst/>
+          <a:extLst>
+            <a:ext uri="{909E8E84-426E-40DD-AFC4-6F175D3DCCD1}">
+              <a14:hiddenFill xmlns:a14="http://schemas.microsoft.com/office/drawing/2010/main">
+                <a:solidFill>
+                  <a:schemeClr val="accent1"/>
+                </a:solidFill>
+              </a14:hiddenFill>
+            </a:ext>
+            <a:ext uri="{91240B29-F687-4F45-9708-019B960494DF}">
+              <a14:hiddenLine xmlns:a14="http://schemas.microsoft.com/office/drawing/2010/main" w="9525">
+                <a:solidFill>
+                  <a:schemeClr val="tx1"/>
+                </a:solidFill>
+                <a:miter lim="800000"/>
+                <a:headEnd/>
+                <a:tailEnd/>
+              </a14:hiddenLine>
+            </a:ext>
+            <a:ext uri="{AF507438-7753-43E0-B8FC-AC1667EBCBE1}">
+              <a14:hiddenEffects xmlns:a14="http://schemas.microsoft.com/office/drawing/2010/main">
+                <a:effectLst>
+                  <a:outerShdw dist="35921" dir="2700000" algn="ctr" rotWithShape="0">
+                    <a:schemeClr val="bg2"/>
+                  </a:outerShdw>
+                </a:effectLst>
+              </a14:hiddenEffects>
+            </a:ext>
+          </a:extLst>
         </p:spPr>
-      </p:pic>
+        <p:txBody>
+          <a:bodyPr vert="horz" wrap="square" lIns="91440" tIns="45720" rIns="91440" bIns="45720" numCol="1" anchor="ctr" anchorCtr="0" compatLnSpc="1">
+            <a:prstTxWarp prst="textNoShape">
+              <a:avLst/>
+            </a:prstTxWarp>
+            <a:spAutoFit/>
+          </a:bodyPr>
+          <a:lstStyle/>
+          <a:p>
+            <a:pPr marL="0" marR="0" lvl="0" indent="0" fontAlgn="base">
+              <a:lnSpc>
+                <a:spcPct val="100000"/>
+              </a:lnSpc>
+              <a:buNone/>
+              <a:tabLst/>
+            </a:pPr>
+            <a:r>
+              <a:rPr lang="en-US" altLang="en-US" sz="2000" dirty="0"/>
+              <a:t>Equivariance in GNNs:</a:t>
+            </a:r>
+          </a:p>
+          <a:p>
+            <a:pPr marR="0" lvl="0" fontAlgn="base">
+              <a:lnSpc>
+                <a:spcPct val="100000"/>
+              </a:lnSpc>
+              <a:tabLst/>
+            </a:pPr>
+            <a:r>
+              <a:rPr lang="en-US" altLang="en-US" sz="2000" dirty="0"/>
+              <a:t>Translation Equivariance: The network handles translations in input space equivalently in the output space</a:t>
+            </a:r>
+          </a:p>
+          <a:p>
+            <a:pPr marR="0" lvl="0" fontAlgn="base">
+              <a:lnSpc>
+                <a:spcPct val="100000"/>
+              </a:lnSpc>
+              <a:tabLst/>
+            </a:pPr>
+            <a:r>
+              <a:rPr lang="en-US" altLang="en-US" sz="2000" dirty="0"/>
+              <a:t>Rotation and Reflection Equivariance: Uses orthogonal transformations to ensure rotations and reflections are properly managed</a:t>
+            </a:r>
+          </a:p>
+          <a:p>
+            <a:pPr marR="0" lvl="0" fontAlgn="base">
+              <a:lnSpc>
+                <a:spcPct val="100000"/>
+              </a:lnSpc>
+              <a:tabLst/>
+            </a:pPr>
+            <a:r>
+              <a:rPr lang="en-US" altLang="en-US" sz="2000" dirty="0"/>
+              <a:t>Permutation Equivariance: Maintains node order invariance</a:t>
+            </a:r>
+          </a:p>
+          <a:p>
+            <a:pPr marL="0" marR="0" lvl="0" indent="0" fontAlgn="base">
+              <a:lnSpc>
+                <a:spcPct val="100000"/>
+              </a:lnSpc>
+              <a:buNone/>
+              <a:tabLst/>
+            </a:pPr>
+            <a:r>
+              <a:rPr lang="en-US" altLang="en-US" sz="2000" dirty="0"/>
+              <a:t>EGNN Layer:</a:t>
+            </a:r>
+          </a:p>
+          <a:p>
+            <a:pPr marR="0" lvl="0" fontAlgn="base">
+              <a:lnSpc>
+                <a:spcPct val="100000"/>
+              </a:lnSpc>
+              <a:tabLst/>
+            </a:pPr>
+            <a:r>
+              <a:rPr lang="en-US" altLang="en-US" sz="2000" dirty="0"/>
+              <a:t>Edge Operation: Considers relative squared distances between nodes</a:t>
+            </a:r>
+          </a:p>
+          <a:p>
+            <a:pPr marR="0" lvl="0" fontAlgn="base">
+              <a:lnSpc>
+                <a:spcPct val="100000"/>
+              </a:lnSpc>
+              <a:tabLst/>
+            </a:pPr>
+            <a:r>
+              <a:rPr lang="en-US" altLang="en-US" sz="2000" dirty="0"/>
+              <a:t>Coordinate Update: Positions are updated via a vector field in a radial direction, ensuring E(n) equivariance</a:t>
+            </a:r>
+          </a:p>
+          <a:p>
+            <a:pPr marL="0" marR="0" lvl="0" indent="0" algn="l" defTabSz="914400" rtl="0" eaLnBrk="0" fontAlgn="base" latinLnBrk="0" hangingPunct="0">
+              <a:lnSpc>
+                <a:spcPct val="100000"/>
+              </a:lnSpc>
+              <a:spcBef>
+                <a:spcPct val="0"/>
+              </a:spcBef>
+              <a:spcAft>
+                <a:spcPct val="0"/>
+              </a:spcAft>
+              <a:buClrTx/>
+              <a:buSzTx/>
+              <a:buFontTx/>
+              <a:buNone/>
+              <a:tabLst/>
+            </a:pPr>
+            <a:endParaRPr kumimoji="0" lang="en-US" altLang="en-US" sz="2000" b="0" i="0" u="none" strike="noStrike" cap="none" normalizeH="0" baseline="0" dirty="0">
+              <a:ln>
+                <a:noFill/>
+              </a:ln>
+              <a:solidFill>
+                <a:schemeClr val="tx1"/>
+              </a:solidFill>
+              <a:effectLst/>
+              <a:latin typeface="Arial" panose="020B0604020202020204" pitchFamily="34" charset="0"/>
+            </a:endParaRPr>
+          </a:p>
+        </p:txBody>
+      </p:sp>
     </p:spTree>
     <p:extLst>
       <p:ext uri="{BB962C8B-B14F-4D97-AF65-F5344CB8AC3E}">
-        <p14:creationId xmlns:p14="http://schemas.microsoft.com/office/powerpoint/2010/main" val="1288850578"/>
+        <p14:creationId xmlns:p14="http://schemas.microsoft.com/office/powerpoint/2010/main" val="2525860011"/>
       </p:ext>
     </p:extLst>
   </p:cSld>
@@ -6451,6 +6673,144 @@
           <p:cNvPr id="2" name="Title 1">
             <a:extLst>
               <a:ext uri="{FF2B5EF4-FFF2-40B4-BE49-F238E27FC236}">
+                <a16:creationId xmlns:a16="http://schemas.microsoft.com/office/drawing/2014/main" id="{CDEF7B4C-C68F-072B-FA20-D4A75D00A09B}"/>
+              </a:ext>
+            </a:extLst>
+          </p:cNvPr>
+          <p:cNvSpPr>
+            <a:spLocks noGrp="1"/>
+          </p:cNvSpPr>
+          <p:nvPr>
+            <p:ph type="title"/>
+          </p:nvPr>
+        </p:nvSpPr>
+        <p:spPr>
+          <a:xfrm>
+            <a:off x="677334" y="609600"/>
+            <a:ext cx="8596668" cy="806824"/>
+          </a:xfrm>
+        </p:spPr>
+        <p:txBody>
+          <a:bodyPr/>
+          <a:lstStyle/>
+          <a:p>
+            <a:r>
+              <a:rPr lang="en-US" dirty="0"/>
+              <a:t>EGNN Architecture</a:t>
+            </a:r>
+          </a:p>
+        </p:txBody>
+      </p:sp>
+      <p:sp>
+        <p:nvSpPr>
+          <p:cNvPr id="3" name="Content Placeholder 2">
+            <a:extLst>
+              <a:ext uri="{FF2B5EF4-FFF2-40B4-BE49-F238E27FC236}">
+                <a16:creationId xmlns:a16="http://schemas.microsoft.com/office/drawing/2014/main" id="{CA2BCDBC-CDB5-8C6F-B41C-4B01F5D7C79F}"/>
+              </a:ext>
+            </a:extLst>
+          </p:cNvPr>
+          <p:cNvSpPr>
+            <a:spLocks noGrp="1"/>
+          </p:cNvSpPr>
+          <p:nvPr>
+            <p:ph idx="1"/>
+          </p:nvPr>
+        </p:nvSpPr>
+        <p:spPr>
+          <a:xfrm>
+            <a:off x="677334" y="1667531"/>
+            <a:ext cx="10169960" cy="2115576"/>
+          </a:xfrm>
+        </p:spPr>
+        <p:txBody>
+          <a:bodyPr/>
+          <a:lstStyle/>
+          <a:p>
+            <a:r>
+              <a:rPr lang="en-US" dirty="0"/>
+              <a:t>The model incorporates both node embeddings and their coordinates, ensuring translation, rotation, and reflection equivariance</a:t>
+            </a:r>
+          </a:p>
+          <a:p>
+            <a:r>
+              <a:rPr lang="en-US" dirty="0"/>
+              <a:t>Equations defining the EGNN layer update node embeddings and coordinates, ensuring the model's equivariance properties</a:t>
+            </a:r>
+          </a:p>
+          <a:p>
+            <a:r>
+              <a:rPr lang="en-US" dirty="0"/>
+              <a:t>The paper provides a formal proof that the EGNN model maintains E(n) equivariance for both translation and rotation</a:t>
+            </a:r>
+          </a:p>
+        </p:txBody>
+      </p:sp>
+      <p:pic>
+        <p:nvPicPr>
+          <p:cNvPr id="6" name="Picture 5">
+            <a:extLst>
+              <a:ext uri="{FF2B5EF4-FFF2-40B4-BE49-F238E27FC236}">
+                <a16:creationId xmlns:a16="http://schemas.microsoft.com/office/drawing/2014/main" id="{50FFE954-93A1-99DD-B20E-4D1B393DAAB1}"/>
+              </a:ext>
+            </a:extLst>
+          </p:cNvPr>
+          <p:cNvPicPr>
+            <a:picLocks noChangeAspect="1"/>
+          </p:cNvPicPr>
+          <p:nvPr/>
+        </p:nvPicPr>
+        <p:blipFill>
+          <a:blip r:embed="rId2"/>
+          <a:stretch>
+            <a:fillRect/>
+          </a:stretch>
+        </p:blipFill>
+        <p:spPr>
+          <a:xfrm>
+            <a:off x="779930" y="3856202"/>
+            <a:ext cx="7871011" cy="2466492"/>
+          </a:xfrm>
+          <a:prstGeom prst="rect">
+            <a:avLst/>
+          </a:prstGeom>
+        </p:spPr>
+      </p:pic>
+    </p:spTree>
+    <p:extLst>
+      <p:ext uri="{BB962C8B-B14F-4D97-AF65-F5344CB8AC3E}">
+        <p14:creationId xmlns:p14="http://schemas.microsoft.com/office/powerpoint/2010/main" val="2576283903"/>
+      </p:ext>
+    </p:extLst>
+  </p:cSld>
+  <p:clrMapOvr>
+    <a:masterClrMapping/>
+  </p:clrMapOvr>
+</p:sld>
+</file>
+
+<file path=ppt/slides/slide7.xml><?xml version="1.0" encoding="utf-8"?>
+<p:sld xmlns:a="http://schemas.openxmlformats.org/drawingml/2006/main" xmlns:r="http://schemas.openxmlformats.org/officeDocument/2006/relationships" xmlns:p="http://schemas.openxmlformats.org/presentationml/2006/main">
+  <p:cSld>
+    <p:spTree>
+      <p:nvGrpSpPr>
+        <p:cNvPr id="1" name=""/>
+        <p:cNvGrpSpPr/>
+        <p:nvPr/>
+      </p:nvGrpSpPr>
+      <p:grpSpPr>
+        <a:xfrm>
+          <a:off x="0" y="0"/>
+          <a:ext cx="0" cy="0"/>
+          <a:chOff x="0" y="0"/>
+          <a:chExt cx="0" cy="0"/>
+        </a:xfrm>
+      </p:grpSpPr>
+      <p:sp>
+        <p:nvSpPr>
+          <p:cNvPr id="2" name="Title 1">
+            <a:extLst>
+              <a:ext uri="{FF2B5EF4-FFF2-40B4-BE49-F238E27FC236}">
                 <a16:creationId xmlns:a16="http://schemas.microsoft.com/office/drawing/2014/main" id="{AFB3EF74-6E93-0DEC-2108-59380B8A80A4}"/>
               </a:ext>
             </a:extLst>
@@ -6493,7 +6853,7 @@
         <p:spPr>
           <a:xfrm>
             <a:off x="677334" y="1694329"/>
-            <a:ext cx="8596668" cy="1532965"/>
+            <a:ext cx="3840878" cy="4733365"/>
           </a:xfrm>
         </p:spPr>
         <p:txBody>
@@ -6504,6 +6864,154 @@
           <a:p>
             <a:r>
               <a:rPr lang="en-US" b="1" dirty="0"/>
+              <a:t>Dynamical Systems Modeling (N-body Problem)</a:t>
+            </a:r>
+            <a:r>
+              <a:rPr lang="en-US" dirty="0"/>
+              <a:t>:</a:t>
+            </a:r>
+          </a:p>
+          <a:p>
+            <a:pPr lvl="1"/>
+            <a:r>
+              <a:rPr lang="en-US" dirty="0"/>
+              <a:t>Forecast the positions for a set of particles which are modelled by simple interaction rules</a:t>
+            </a:r>
+          </a:p>
+          <a:p>
+            <a:pPr lvl="1"/>
+            <a:r>
+              <a:rPr lang="en-US" dirty="0"/>
+              <a:t>Dataset: N-body system with 5 particles</a:t>
+            </a:r>
+          </a:p>
+          <a:p>
+            <a:pPr lvl="1"/>
+            <a:r>
+              <a:rPr lang="en-US" dirty="0"/>
+              <a:t>EGNN outperformed other models like SE(3) Transformer, Tensor Field Networks, and standard GNNs in terms of accuracy and computational efficiency</a:t>
+            </a:r>
+          </a:p>
+        </p:txBody>
+      </p:sp>
+      <p:pic>
+        <p:nvPicPr>
+          <p:cNvPr id="6" name="Picture 5">
+            <a:extLst>
+              <a:ext uri="{FF2B5EF4-FFF2-40B4-BE49-F238E27FC236}">
+                <a16:creationId xmlns:a16="http://schemas.microsoft.com/office/drawing/2014/main" id="{85BBDE76-7CE5-26A2-BCB3-B7A98ED5C676}"/>
+              </a:ext>
+            </a:extLst>
+          </p:cNvPr>
+          <p:cNvPicPr>
+            <a:picLocks noChangeAspect="1"/>
+          </p:cNvPicPr>
+          <p:nvPr/>
+        </p:nvPicPr>
+        <p:blipFill>
+          <a:blip r:embed="rId2"/>
+          <a:stretch>
+            <a:fillRect/>
+          </a:stretch>
+        </p:blipFill>
+        <p:spPr>
+          <a:xfrm>
+            <a:off x="4759019" y="1930400"/>
+            <a:ext cx="4514983" cy="3631465"/>
+          </a:xfrm>
+          <a:prstGeom prst="rect">
+            <a:avLst/>
+          </a:prstGeom>
+        </p:spPr>
+      </p:pic>
+    </p:spTree>
+    <p:extLst>
+      <p:ext uri="{BB962C8B-B14F-4D97-AF65-F5344CB8AC3E}">
+        <p14:creationId xmlns:p14="http://schemas.microsoft.com/office/powerpoint/2010/main" val="1288850578"/>
+      </p:ext>
+    </p:extLst>
+  </p:cSld>
+  <p:clrMapOvr>
+    <a:masterClrMapping/>
+  </p:clrMapOvr>
+</p:sld>
+</file>
+
+<file path=ppt/slides/slide8.xml><?xml version="1.0" encoding="utf-8"?>
+<p:sld xmlns:a="http://schemas.openxmlformats.org/drawingml/2006/main" xmlns:r="http://schemas.openxmlformats.org/officeDocument/2006/relationships" xmlns:p="http://schemas.openxmlformats.org/presentationml/2006/main">
+  <p:cSld>
+    <p:spTree>
+      <p:nvGrpSpPr>
+        <p:cNvPr id="1" name=""/>
+        <p:cNvGrpSpPr/>
+        <p:nvPr/>
+      </p:nvGrpSpPr>
+      <p:grpSpPr>
+        <a:xfrm>
+          <a:off x="0" y="0"/>
+          <a:ext cx="0" cy="0"/>
+          <a:chOff x="0" y="0"/>
+          <a:chExt cx="0" cy="0"/>
+        </a:xfrm>
+      </p:grpSpPr>
+      <p:sp>
+        <p:nvSpPr>
+          <p:cNvPr id="2" name="Title 1">
+            <a:extLst>
+              <a:ext uri="{FF2B5EF4-FFF2-40B4-BE49-F238E27FC236}">
+                <a16:creationId xmlns:a16="http://schemas.microsoft.com/office/drawing/2014/main" id="{AFB3EF74-6E93-0DEC-2108-59380B8A80A4}"/>
+              </a:ext>
+            </a:extLst>
+          </p:cNvPr>
+          <p:cNvSpPr>
+            <a:spLocks noGrp="1"/>
+          </p:cNvSpPr>
+          <p:nvPr>
+            <p:ph type="title"/>
+          </p:nvPr>
+        </p:nvSpPr>
+        <p:spPr/>
+        <p:txBody>
+          <a:bodyPr/>
+          <a:lstStyle/>
+          <a:p>
+            <a:r>
+              <a:rPr lang="en-US" dirty="0"/>
+              <a:t>Experiments and results</a:t>
+            </a:r>
+          </a:p>
+        </p:txBody>
+      </p:sp>
+      <p:sp>
+        <p:nvSpPr>
+          <p:cNvPr id="3" name="Content Placeholder 2">
+            <a:extLst>
+              <a:ext uri="{FF2B5EF4-FFF2-40B4-BE49-F238E27FC236}">
+                <a16:creationId xmlns:a16="http://schemas.microsoft.com/office/drawing/2014/main" id="{595D823C-51A9-D486-3224-A19D91681F23}"/>
+              </a:ext>
+            </a:extLst>
+          </p:cNvPr>
+          <p:cNvSpPr>
+            <a:spLocks noGrp="1"/>
+          </p:cNvSpPr>
+          <p:nvPr>
+            <p:ph idx="1"/>
+          </p:nvPr>
+        </p:nvSpPr>
+        <p:spPr>
+          <a:xfrm>
+            <a:off x="677334" y="1479177"/>
+            <a:ext cx="8596668" cy="1748118"/>
+          </a:xfrm>
+        </p:spPr>
+        <p:txBody>
+          <a:bodyPr>
+            <a:normAutofit/>
+          </a:bodyPr>
+          <a:lstStyle/>
+          <a:p>
+            <a:r>
+              <a:rPr lang="en-US" b="1" dirty="0"/>
               <a:t>Graph Autoencoder:</a:t>
             </a:r>
           </a:p>
@@ -6511,7 +7019,22 @@
             <a:pPr lvl="1"/>
             <a:r>
               <a:rPr lang="en-US" dirty="0"/>
-              <a:t>EGNNs were used to build an equivariant graph autoencoder.</a:t>
+              <a:t>EGNNs were used to build an equivariant graph autoencoder</a:t>
+            </a:r>
+          </a:p>
+          <a:p>
+            <a:pPr lvl="1"/>
+            <a:r>
+              <a:rPr lang="en-US" dirty="0"/>
+              <a:t>Dataset: Community Small and </a:t>
+            </a:r>
+            <a:r>
+              <a:rPr lang="en-US" dirty="0" err="1"/>
+              <a:t>Erdos&amp;Renyi</a:t>
+            </a:r>
+            <a:r>
+              <a:rPr lang="en-US" dirty="0"/>
+              <a:t> graphs</a:t>
             </a:r>
             <a:endParaRPr lang="en-US" b="1" dirty="0"/>
           </a:p>
@@ -6519,7 +7042,7 @@
             <a:pPr lvl="1"/>
             <a:r>
               <a:rPr lang="en-US" dirty="0"/>
-              <a:t>The model successfully encoded and decoded graph structures, outperforming standard GNNs and radial field methods, especially in reconstructing sparse graphs.</a:t>
+              <a:t>The model successfully encoded and decoded graph structures, outperforming standard GNNs and radial field methods, especially in reconstructing sparse graphs</a:t>
             </a:r>
             <a:endParaRPr lang="en-US" b="1" dirty="0"/>
           </a:p>
@@ -6568,7 +7091,7 @@
 </p:sld>
 </file>
 
-<file path=ppt/slides/slide7.xml><?xml version="1.0" encoding="utf-8"?>
+<file path=ppt/slides/slide9.xml><?xml version="1.0" encoding="utf-8"?>
 <p:sld xmlns:a="http://schemas.openxmlformats.org/drawingml/2006/main" xmlns:r="http://schemas.openxmlformats.org/officeDocument/2006/relationships" xmlns:p="http://schemas.openxmlformats.org/presentationml/2006/main">
   <p:cSld>
     <p:spTree>
@@ -6655,7 +7178,7 @@
             <a:pPr lvl="1"/>
             <a:r>
               <a:rPr lang="en-US" dirty="0"/>
-              <a:t>EGNNs were applied to predict various chemical properties of molecules.</a:t>
+              <a:t>EGNNs were applied to predict various chemical properties of molecules</a:t>
             </a:r>
             <a:endParaRPr lang="en-US" b="1" dirty="0"/>
           </a:p>
@@ -6663,7 +7186,7 @@
             <a:pPr lvl="1"/>
             <a:r>
               <a:rPr lang="en-US" dirty="0"/>
-              <a:t>The model achieved competitive results compared to state-of-the-art methods while remaining computationally efficient.</a:t>
+              <a:t>The model achieved competitive results compared to state-of-the-art methods while remaining computationally efficient</a:t>
             </a:r>
             <a:endParaRPr lang="en-US" b="1" dirty="0"/>
           </a:p>
@@ -6703,98 +7226,6 @@
     <p:extLst>
       <p:ext uri="{BB962C8B-B14F-4D97-AF65-F5344CB8AC3E}">
         <p14:creationId xmlns:p14="http://schemas.microsoft.com/office/powerpoint/2010/main" val="1265899947"/>
-      </p:ext>
-    </p:extLst>
-  </p:cSld>
-  <p:clrMapOvr>
-    <a:masterClrMapping/>
-  </p:clrMapOvr>
-</p:sld>
-</file>
-
-<file path=ppt/slides/slide8.xml><?xml version="1.0" encoding="utf-8"?>
-<p:sld xmlns:a="http://schemas.openxmlformats.org/drawingml/2006/main" xmlns:r="http://schemas.openxmlformats.org/officeDocument/2006/relationships" xmlns:p="http://schemas.openxmlformats.org/presentationml/2006/main">
-  <p:cSld>
-    <p:spTree>
-      <p:nvGrpSpPr>
-        <p:cNvPr id="1" name=""/>
-        <p:cNvGrpSpPr/>
-        <p:nvPr/>
-      </p:nvGrpSpPr>
-      <p:grpSpPr>
-        <a:xfrm>
-          <a:off x="0" y="0"/>
-          <a:ext cx="0" cy="0"/>
-          <a:chOff x="0" y="0"/>
-          <a:chExt cx="0" cy="0"/>
-        </a:xfrm>
-      </p:grpSpPr>
-      <p:sp>
-        <p:nvSpPr>
-          <p:cNvPr id="2" name="Title 1">
-            <a:extLst>
-              <a:ext uri="{FF2B5EF4-FFF2-40B4-BE49-F238E27FC236}">
-                <a16:creationId xmlns:a16="http://schemas.microsoft.com/office/drawing/2014/main" id="{3B1C4F61-6021-7731-D0CA-A30ADBBC1AAB}"/>
-              </a:ext>
-            </a:extLst>
-          </p:cNvPr>
-          <p:cNvSpPr>
-            <a:spLocks noGrp="1"/>
-          </p:cNvSpPr>
-          <p:nvPr>
-            <p:ph type="title"/>
-          </p:nvPr>
-        </p:nvSpPr>
-        <p:spPr/>
-        <p:txBody>
-          <a:bodyPr/>
-          <a:lstStyle/>
-          <a:p>
-            <a:r>
-              <a:rPr lang="en-US" dirty="0"/>
-              <a:t>Conclusion</a:t>
-            </a:r>
-          </a:p>
-        </p:txBody>
-      </p:sp>
-      <p:sp>
-        <p:nvSpPr>
-          <p:cNvPr id="3" name="Content Placeholder 2">
-            <a:extLst>
-              <a:ext uri="{FF2B5EF4-FFF2-40B4-BE49-F238E27FC236}">
-                <a16:creationId xmlns:a16="http://schemas.microsoft.com/office/drawing/2014/main" id="{ED5C9F2F-1352-F289-ADB2-BE6642778931}"/>
-              </a:ext>
-            </a:extLst>
-          </p:cNvPr>
-          <p:cNvSpPr>
-            <a:spLocks noGrp="1"/>
-          </p:cNvSpPr>
-          <p:nvPr>
-            <p:ph idx="1"/>
-          </p:nvPr>
-        </p:nvSpPr>
-        <p:spPr/>
-        <p:txBody>
-          <a:bodyPr/>
-          <a:lstStyle/>
-          <a:p>
-            <a:r>
-              <a:rPr lang="en-US" dirty="0"/>
-              <a:t>EGNNs represent a significant advancement in graph neural networks by combining simplicity, computational efficiency, and strong performance across multiple tasks.</a:t>
-            </a:r>
-          </a:p>
-          <a:p>
-            <a:r>
-              <a:rPr lang="en-US" dirty="0"/>
-              <a:t>The model's ability to handle higher-dimensional spaces and maintain equivariance makes it particularly suitable for applications in natural and medical sciences, such as drug discovery and material design.</a:t>
-            </a:r>
-          </a:p>
-        </p:txBody>
-      </p:sp>
-    </p:spTree>
-    <p:extLst>
-      <p:ext uri="{BB962C8B-B14F-4D97-AF65-F5344CB8AC3E}">
-        <p14:creationId xmlns:p14="http://schemas.microsoft.com/office/powerpoint/2010/main" val="3873605401"/>
       </p:ext>
     </p:extLst>
   </p:cSld>
